--- a/documents/Health Manager Bot.pptx
+++ b/documents/Health Manager Bot.pptx
@@ -345,7 +345,7 @@
           <a:p>
             <a:fld id="{28809575-5C8F-4B59-ACF7-13E1E026D4FA}" type="datetimeFigureOut">
               <a:rPr kumimoji="1" lang="ja-JP" altLang="en-US" smtClean="0"/>
-              <a:t>2021/1/14</a:t>
+              <a:t>2021/1/15</a:t>
             </a:fld>
             <a:endParaRPr kumimoji="1" lang="ja-JP" altLang="en-US"/>
           </a:p>
@@ -585,7 +585,7 @@
           <a:p>
             <a:fld id="{28809575-5C8F-4B59-ACF7-13E1E026D4FA}" type="datetimeFigureOut">
               <a:rPr kumimoji="1" lang="ja-JP" altLang="en-US" smtClean="0"/>
-              <a:t>2021/1/14</a:t>
+              <a:t>2021/1/15</a:t>
             </a:fld>
             <a:endParaRPr kumimoji="1" lang="ja-JP" altLang="en-US"/>
           </a:p>
@@ -873,7 +873,7 @@
           <a:p>
             <a:fld id="{28809575-5C8F-4B59-ACF7-13E1E026D4FA}" type="datetimeFigureOut">
               <a:rPr kumimoji="1" lang="ja-JP" altLang="en-US" smtClean="0"/>
-              <a:t>2021/1/14</a:t>
+              <a:t>2021/1/15</a:t>
             </a:fld>
             <a:endParaRPr kumimoji="1" lang="ja-JP" altLang="en-US"/>
           </a:p>
@@ -1081,7 +1081,7 @@
           <a:p>
             <a:fld id="{28809575-5C8F-4B59-ACF7-13E1E026D4FA}" type="datetimeFigureOut">
               <a:rPr kumimoji="1" lang="ja-JP" altLang="en-US" smtClean="0"/>
-              <a:t>2021/1/14</a:t>
+              <a:t>2021/1/15</a:t>
             </a:fld>
             <a:endParaRPr kumimoji="1" lang="ja-JP" altLang="en-US"/>
           </a:p>
@@ -1311,7 +1311,7 @@
           <a:p>
             <a:fld id="{28809575-5C8F-4B59-ACF7-13E1E026D4FA}" type="datetimeFigureOut">
               <a:rPr kumimoji="1" lang="ja-JP" altLang="en-US" smtClean="0"/>
-              <a:t>2021/1/14</a:t>
+              <a:t>2021/1/15</a:t>
             </a:fld>
             <a:endParaRPr kumimoji="1" lang="ja-JP" altLang="en-US"/>
           </a:p>
@@ -1586,7 +1586,7 @@
           <a:p>
             <a:fld id="{28809575-5C8F-4B59-ACF7-13E1E026D4FA}" type="datetimeFigureOut">
               <a:rPr kumimoji="1" lang="ja-JP" altLang="en-US" smtClean="0"/>
-              <a:t>2021/1/14</a:t>
+              <a:t>2021/1/15</a:t>
             </a:fld>
             <a:endParaRPr kumimoji="1" lang="ja-JP" altLang="en-US"/>
           </a:p>
@@ -1915,7 +1915,7 @@
           <a:p>
             <a:fld id="{28809575-5C8F-4B59-ACF7-13E1E026D4FA}" type="datetimeFigureOut">
               <a:rPr kumimoji="1" lang="ja-JP" altLang="en-US" smtClean="0"/>
-              <a:t>2021/1/14</a:t>
+              <a:t>2021/1/15</a:t>
             </a:fld>
             <a:endParaRPr kumimoji="1" lang="ja-JP" altLang="en-US"/>
           </a:p>
@@ -2391,7 +2391,7 @@
           <a:p>
             <a:fld id="{28809575-5C8F-4B59-ACF7-13E1E026D4FA}" type="datetimeFigureOut">
               <a:rPr kumimoji="1" lang="ja-JP" altLang="en-US" smtClean="0"/>
-              <a:t>2021/1/14</a:t>
+              <a:t>2021/1/15</a:t>
             </a:fld>
             <a:endParaRPr kumimoji="1" lang="ja-JP" altLang="en-US"/>
           </a:p>
@@ -2532,7 +2532,7 @@
           <a:p>
             <a:fld id="{28809575-5C8F-4B59-ACF7-13E1E026D4FA}" type="datetimeFigureOut">
               <a:rPr kumimoji="1" lang="ja-JP" altLang="en-US" smtClean="0"/>
-              <a:t>2021/1/14</a:t>
+              <a:t>2021/1/15</a:t>
             </a:fld>
             <a:endParaRPr kumimoji="1" lang="ja-JP" altLang="en-US"/>
           </a:p>
@@ -2645,7 +2645,7 @@
           <a:p>
             <a:fld id="{28809575-5C8F-4B59-ACF7-13E1E026D4FA}" type="datetimeFigureOut">
               <a:rPr kumimoji="1" lang="ja-JP" altLang="en-US" smtClean="0"/>
-              <a:t>2021/1/14</a:t>
+              <a:t>2021/1/15</a:t>
             </a:fld>
             <a:endParaRPr kumimoji="1" lang="ja-JP" altLang="en-US"/>
           </a:p>
@@ -2988,7 +2988,7 @@
           <a:p>
             <a:fld id="{28809575-5C8F-4B59-ACF7-13E1E026D4FA}" type="datetimeFigureOut">
               <a:rPr kumimoji="1" lang="ja-JP" altLang="en-US" smtClean="0"/>
-              <a:t>2021/1/14</a:t>
+              <a:t>2021/1/15</a:t>
             </a:fld>
             <a:endParaRPr kumimoji="1" lang="ja-JP" altLang="en-US"/>
           </a:p>
@@ -3206,7 +3206,7 @@
           <a:p>
             <a:fld id="{28809575-5C8F-4B59-ACF7-13E1E026D4FA}" type="datetimeFigureOut">
               <a:rPr kumimoji="1" lang="ja-JP" altLang="en-US" smtClean="0"/>
-              <a:t>2021/1/14</a:t>
+              <a:t>2021/1/15</a:t>
             </a:fld>
             <a:endParaRPr kumimoji="1" lang="ja-JP" altLang="en-US"/>
           </a:p>
@@ -3482,7 +3482,7 @@
           <a:p>
             <a:fld id="{28809575-5C8F-4B59-ACF7-13E1E026D4FA}" type="datetimeFigureOut">
               <a:rPr kumimoji="1" lang="ja-JP" altLang="en-US" smtClean="0"/>
-              <a:t>2021/1/14</a:t>
+              <a:t>2021/1/15</a:t>
             </a:fld>
             <a:endParaRPr kumimoji="1" lang="ja-JP" altLang="en-US"/>
           </a:p>
@@ -3712,7 +3712,7 @@
           <a:p>
             <a:fld id="{28809575-5C8F-4B59-ACF7-13E1E026D4FA}" type="datetimeFigureOut">
               <a:rPr kumimoji="1" lang="ja-JP" altLang="en-US" smtClean="0"/>
-              <a:t>2021/1/14</a:t>
+              <a:t>2021/1/15</a:t>
             </a:fld>
             <a:endParaRPr kumimoji="1" lang="ja-JP" altLang="en-US"/>
           </a:p>
@@ -3952,7 +3952,7 @@
           <a:p>
             <a:fld id="{28809575-5C8F-4B59-ACF7-13E1E026D4FA}" type="datetimeFigureOut">
               <a:rPr kumimoji="1" lang="ja-JP" altLang="en-US" smtClean="0"/>
-              <a:t>2021/1/14</a:t>
+              <a:t>2021/1/15</a:t>
             </a:fld>
             <a:endParaRPr kumimoji="1" lang="ja-JP" altLang="en-US"/>
           </a:p>
@@ -4194,7 +4194,7 @@
           <a:p>
             <a:fld id="{28809575-5C8F-4B59-ACF7-13E1E026D4FA}" type="datetimeFigureOut">
               <a:rPr kumimoji="1" lang="ja-JP" altLang="en-US" smtClean="0"/>
-              <a:t>2021/1/14</a:t>
+              <a:t>2021/1/15</a:t>
             </a:fld>
             <a:endParaRPr kumimoji="1" lang="ja-JP" altLang="en-US"/>
           </a:p>
@@ -4551,7 +4551,7 @@
           <a:p>
             <a:fld id="{28809575-5C8F-4B59-ACF7-13E1E026D4FA}" type="datetimeFigureOut">
               <a:rPr kumimoji="1" lang="ja-JP" altLang="en-US" smtClean="0"/>
-              <a:t>2021/1/14</a:t>
+              <a:t>2021/1/15</a:t>
             </a:fld>
             <a:endParaRPr kumimoji="1" lang="ja-JP" altLang="en-US"/>
           </a:p>
@@ -4828,7 +4828,7 @@
           <a:p>
             <a:fld id="{28809575-5C8F-4B59-ACF7-13E1E026D4FA}" type="datetimeFigureOut">
               <a:rPr kumimoji="1" lang="ja-JP" altLang="en-US" smtClean="0"/>
-              <a:t>2021/1/14</a:t>
+              <a:t>2021/1/15</a:t>
             </a:fld>
             <a:endParaRPr kumimoji="1" lang="ja-JP" altLang="en-US"/>
           </a:p>
@@ -5286,7 +5286,7 @@
           <a:p>
             <a:fld id="{28809575-5C8F-4B59-ACF7-13E1E026D4FA}" type="datetimeFigureOut">
               <a:rPr kumimoji="1" lang="ja-JP" altLang="en-US" smtClean="0"/>
-              <a:t>2021/1/14</a:t>
+              <a:t>2021/1/15</a:t>
             </a:fld>
             <a:endParaRPr kumimoji="1" lang="ja-JP" altLang="en-US"/>
           </a:p>
@@ -5827,7 +5827,7 @@
           <a:p>
             <a:fld id="{28809575-5C8F-4B59-ACF7-13E1E026D4FA}" type="datetimeFigureOut">
               <a:rPr kumimoji="1" lang="ja-JP" altLang="en-US" smtClean="0"/>
-              <a:t>2021/1/14</a:t>
+              <a:t>2021/1/15</a:t>
             </a:fld>
             <a:endParaRPr kumimoji="1" lang="ja-JP" altLang="en-US"/>
           </a:p>
@@ -5945,7 +5945,7 @@
           <a:p>
             <a:fld id="{28809575-5C8F-4B59-ACF7-13E1E026D4FA}" type="datetimeFigureOut">
               <a:rPr kumimoji="1" lang="ja-JP" altLang="en-US" smtClean="0"/>
-              <a:t>2021/1/14</a:t>
+              <a:t>2021/1/15</a:t>
             </a:fld>
             <a:endParaRPr kumimoji="1" lang="ja-JP" altLang="en-US"/>
           </a:p>
@@ -6040,7 +6040,7 @@
           <a:p>
             <a:fld id="{28809575-5C8F-4B59-ACF7-13E1E026D4FA}" type="datetimeFigureOut">
               <a:rPr kumimoji="1" lang="ja-JP" altLang="en-US" smtClean="0"/>
-              <a:t>2021/1/14</a:t>
+              <a:t>2021/1/15</a:t>
             </a:fld>
             <a:endParaRPr kumimoji="1" lang="ja-JP" altLang="en-US"/>
           </a:p>
@@ -6383,7 +6383,7 @@
           <a:p>
             <a:fld id="{28809575-5C8F-4B59-ACF7-13E1E026D4FA}" type="datetimeFigureOut">
               <a:rPr kumimoji="1" lang="ja-JP" altLang="en-US" smtClean="0"/>
-              <a:t>2021/1/14</a:t>
+              <a:t>2021/1/15</a:t>
             </a:fld>
             <a:endParaRPr kumimoji="1" lang="ja-JP" altLang="en-US"/>
           </a:p>
@@ -6799,7 +6799,7 @@
           <a:p>
             <a:fld id="{28809575-5C8F-4B59-ACF7-13E1E026D4FA}" type="datetimeFigureOut">
               <a:rPr kumimoji="1" lang="ja-JP" altLang="en-US" smtClean="0"/>
-              <a:t>2021/1/14</a:t>
+              <a:t>2021/1/15</a:t>
             </a:fld>
             <a:endParaRPr kumimoji="1" lang="ja-JP" altLang="en-US"/>
           </a:p>
@@ -7187,7 +7187,7 @@
           <a:p>
             <a:fld id="{28809575-5C8F-4B59-ACF7-13E1E026D4FA}" type="datetimeFigureOut">
               <a:rPr kumimoji="1" lang="ja-JP" altLang="en-US" smtClean="0"/>
-              <a:t>2021/1/14</a:t>
+              <a:t>2021/1/15</a:t>
             </a:fld>
             <a:endParaRPr kumimoji="1" lang="ja-JP" altLang="en-US"/>
           </a:p>
@@ -7458,7 +7458,7 @@
           <a:p>
             <a:fld id="{28809575-5C8F-4B59-ACF7-13E1E026D4FA}" type="datetimeFigureOut">
               <a:rPr kumimoji="1" lang="ja-JP" altLang="en-US" smtClean="0"/>
-              <a:t>2021/1/14</a:t>
+              <a:t>2021/1/15</a:t>
             </a:fld>
             <a:endParaRPr kumimoji="1" lang="ja-JP" altLang="en-US"/>
           </a:p>
@@ -7670,7 +7670,7 @@
           <a:p>
             <a:fld id="{28809575-5C8F-4B59-ACF7-13E1E026D4FA}" type="datetimeFigureOut">
               <a:rPr kumimoji="1" lang="ja-JP" altLang="en-US" smtClean="0"/>
-              <a:t>2021/1/14</a:t>
+              <a:t>2021/1/15</a:t>
             </a:fld>
             <a:endParaRPr kumimoji="1" lang="ja-JP" altLang="en-US"/>
           </a:p>
@@ -7971,7 +7971,7 @@
           <a:p>
             <a:fld id="{28809575-5C8F-4B59-ACF7-13E1E026D4FA}" type="datetimeFigureOut">
               <a:rPr kumimoji="1" lang="ja-JP" altLang="en-US" smtClean="0"/>
-              <a:t>2021/1/14</a:t>
+              <a:t>2021/1/15</a:t>
             </a:fld>
             <a:endParaRPr kumimoji="1" lang="ja-JP" altLang="en-US"/>
           </a:p>
@@ -8414,7 +8414,7 @@
           <a:p>
             <a:fld id="{28809575-5C8F-4B59-ACF7-13E1E026D4FA}" type="datetimeFigureOut">
               <a:rPr kumimoji="1" lang="ja-JP" altLang="en-US" smtClean="0"/>
-              <a:t>2021/1/14</a:t>
+              <a:t>2021/1/15</a:t>
             </a:fld>
             <a:endParaRPr kumimoji="1" lang="ja-JP" altLang="en-US"/>
           </a:p>
@@ -8532,7 +8532,7 @@
           <a:p>
             <a:fld id="{28809575-5C8F-4B59-ACF7-13E1E026D4FA}" type="datetimeFigureOut">
               <a:rPr kumimoji="1" lang="ja-JP" altLang="en-US" smtClean="0"/>
-              <a:t>2021/1/14</a:t>
+              <a:t>2021/1/15</a:t>
             </a:fld>
             <a:endParaRPr kumimoji="1" lang="ja-JP" altLang="en-US"/>
           </a:p>
@@ -8703,7 +8703,7 @@
           <a:p>
             <a:fld id="{28809575-5C8F-4B59-ACF7-13E1E026D4FA}" type="datetimeFigureOut">
               <a:rPr kumimoji="1" lang="ja-JP" altLang="en-US" smtClean="0"/>
-              <a:t>2021/1/14</a:t>
+              <a:t>2021/1/15</a:t>
             </a:fld>
             <a:endParaRPr kumimoji="1" lang="ja-JP" altLang="en-US"/>
           </a:p>
@@ -9089,7 +9089,7 @@
           <a:p>
             <a:fld id="{28809575-5C8F-4B59-ACF7-13E1E026D4FA}" type="datetimeFigureOut">
               <a:rPr kumimoji="1" lang="ja-JP" altLang="en-US" smtClean="0"/>
-              <a:t>2021/1/14</a:t>
+              <a:t>2021/1/15</a:t>
             </a:fld>
             <a:endParaRPr kumimoji="1" lang="ja-JP" altLang="en-US"/>
           </a:p>
@@ -9471,7 +9471,7 @@
           <a:p>
             <a:fld id="{28809575-5C8F-4B59-ACF7-13E1E026D4FA}" type="datetimeFigureOut">
               <a:rPr kumimoji="1" lang="ja-JP" altLang="en-US" smtClean="0"/>
-              <a:t>2021/1/14</a:t>
+              <a:t>2021/1/15</a:t>
             </a:fld>
             <a:endParaRPr kumimoji="1" lang="ja-JP" altLang="en-US"/>
           </a:p>
@@ -9790,7 +9790,7 @@
           <a:p>
             <a:fld id="{28809575-5C8F-4B59-ACF7-13E1E026D4FA}" type="datetimeFigureOut">
               <a:rPr kumimoji="1" lang="ja-JP" altLang="en-US" smtClean="0"/>
-              <a:t>2021/1/14</a:t>
+              <a:t>2021/1/15</a:t>
             </a:fld>
             <a:endParaRPr kumimoji="1" lang="ja-JP" altLang="en-US"/>
           </a:p>
@@ -10497,7 +10497,7 @@
           <a:p>
             <a:fld id="{28809575-5C8F-4B59-ACF7-13E1E026D4FA}" type="datetimeFigureOut">
               <a:rPr kumimoji="1" lang="ja-JP" altLang="en-US" smtClean="0"/>
-              <a:t>2021/1/14</a:t>
+              <a:t>2021/1/15</a:t>
             </a:fld>
             <a:endParaRPr kumimoji="1" lang="ja-JP" altLang="en-US"/>
           </a:p>
@@ -11082,7 +11082,7 @@
           <a:p>
             <a:fld id="{28809575-5C8F-4B59-ACF7-13E1E026D4FA}" type="datetimeFigureOut">
               <a:rPr kumimoji="1" lang="ja-JP" altLang="en-US" smtClean="0"/>
-              <a:t>2021/1/14</a:t>
+              <a:t>2021/1/15</a:t>
             </a:fld>
             <a:endParaRPr kumimoji="1" lang="ja-JP" altLang="en-US"/>
           </a:p>
@@ -12123,7 +12123,15 @@
             </a:r>
             <a:r>
               <a:rPr kumimoji="1" lang="en-US" altLang="ja-JP" dirty="0"/>
-              <a:t>!health_(</a:t>
+              <a:t>!health</a:t>
+            </a:r>
+            <a:r>
+              <a:rPr lang="ja-JP" altLang="en-US" dirty="0"/>
+              <a:t> </a:t>
+            </a:r>
+            <a:r>
+              <a:rPr kumimoji="1" lang="en-US" altLang="ja-JP" dirty="0"/>
+              <a:t>(</a:t>
             </a:r>
             <a:r>
               <a:rPr kumimoji="1" lang="ja-JP" altLang="en-US" dirty="0"/>
@@ -12145,8 +12153,8 @@
               <a:t>・</a:t>
             </a:r>
             <a:r>
-              <a:rPr kumimoji="1" lang="en-US" altLang="ja-JP" dirty="0"/>
-              <a:t>!temp_00</a:t>
+              <a:rPr kumimoji="1" lang="en-US" altLang="ja-JP"/>
+              <a:t>!temp 00</a:t>
             </a:r>
             <a:r>
               <a:rPr kumimoji="1" lang="ja-JP" altLang="en-US" dirty="0"/>
